--- a/_site/15lego/4 touch extension.pptx
+++ b/_site/15lego/4 touch extension.pptx
@@ -7,7 +7,9 @@
   <p:sldIdLst>
     <p:sldId id="256" r:id="rId2"/>
     <p:sldId id="257" r:id="rId3"/>
-    <p:sldId id="258" r:id="rId4"/>
+    <p:sldId id="259" r:id="rId4"/>
+    <p:sldId id="258" r:id="rId5"/>
+    <p:sldId id="260" r:id="rId6"/>
   </p:sldIdLst>
   <p:sldSz cx="9144000" cy="6858000" type="screen4x3"/>
   <p:notesSz cx="6858000" cy="9144000"/>
@@ -291,7 +293,7 @@
             <a:fld id="{1D8BD707-D9CF-40AE-B4C6-C98DA3205C09}" type="datetimeFigureOut">
               <a:rPr lang="en-US" smtClean="0"/>
               <a:pPr/>
-              <a:t>3/9/2019</a:t>
+              <a:t>3/13/2019</a:t>
             </a:fld>
             <a:endParaRPr lang="en-US"/>
           </a:p>
@@ -458,7 +460,7 @@
             <a:fld id="{1D8BD707-D9CF-40AE-B4C6-C98DA3205C09}" type="datetimeFigureOut">
               <a:rPr lang="en-US" smtClean="0"/>
               <a:pPr/>
-              <a:t>3/9/2019</a:t>
+              <a:t>3/13/2019</a:t>
             </a:fld>
             <a:endParaRPr lang="en-US"/>
           </a:p>
@@ -635,7 +637,7 @@
             <a:fld id="{1D8BD707-D9CF-40AE-B4C6-C98DA3205C09}" type="datetimeFigureOut">
               <a:rPr lang="en-US" smtClean="0"/>
               <a:pPr/>
-              <a:t>3/9/2019</a:t>
+              <a:t>3/13/2019</a:t>
             </a:fld>
             <a:endParaRPr lang="en-US"/>
           </a:p>
@@ -802,7 +804,7 @@
             <a:fld id="{1D8BD707-D9CF-40AE-B4C6-C98DA3205C09}" type="datetimeFigureOut">
               <a:rPr lang="en-US" smtClean="0"/>
               <a:pPr/>
-              <a:t>3/9/2019</a:t>
+              <a:t>3/13/2019</a:t>
             </a:fld>
             <a:endParaRPr lang="en-US"/>
           </a:p>
@@ -1045,7 +1047,7 @@
             <a:fld id="{1D8BD707-D9CF-40AE-B4C6-C98DA3205C09}" type="datetimeFigureOut">
               <a:rPr lang="en-US" smtClean="0"/>
               <a:pPr/>
-              <a:t>3/9/2019</a:t>
+              <a:t>3/13/2019</a:t>
             </a:fld>
             <a:endParaRPr lang="en-US"/>
           </a:p>
@@ -1330,7 +1332,7 @@
             <a:fld id="{1D8BD707-D9CF-40AE-B4C6-C98DA3205C09}" type="datetimeFigureOut">
               <a:rPr lang="en-US" smtClean="0"/>
               <a:pPr/>
-              <a:t>3/9/2019</a:t>
+              <a:t>3/13/2019</a:t>
             </a:fld>
             <a:endParaRPr lang="en-US"/>
           </a:p>
@@ -1749,7 +1751,7 @@
             <a:fld id="{1D8BD707-D9CF-40AE-B4C6-C98DA3205C09}" type="datetimeFigureOut">
               <a:rPr lang="en-US" smtClean="0"/>
               <a:pPr/>
-              <a:t>3/9/2019</a:t>
+              <a:t>3/13/2019</a:t>
             </a:fld>
             <a:endParaRPr lang="en-US"/>
           </a:p>
@@ -1864,7 +1866,7 @@
             <a:fld id="{1D8BD707-D9CF-40AE-B4C6-C98DA3205C09}" type="datetimeFigureOut">
               <a:rPr lang="en-US" smtClean="0"/>
               <a:pPr/>
-              <a:t>3/9/2019</a:t>
+              <a:t>3/13/2019</a:t>
             </a:fld>
             <a:endParaRPr lang="en-US"/>
           </a:p>
@@ -1956,7 +1958,7 @@
             <a:fld id="{1D8BD707-D9CF-40AE-B4C6-C98DA3205C09}" type="datetimeFigureOut">
               <a:rPr lang="en-US" smtClean="0"/>
               <a:pPr/>
-              <a:t>3/9/2019</a:t>
+              <a:t>3/13/2019</a:t>
             </a:fld>
             <a:endParaRPr lang="en-US"/>
           </a:p>
@@ -2230,7 +2232,7 @@
             <a:fld id="{1D8BD707-D9CF-40AE-B4C6-C98DA3205C09}" type="datetimeFigureOut">
               <a:rPr lang="en-US" smtClean="0"/>
               <a:pPr/>
-              <a:t>3/9/2019</a:t>
+              <a:t>3/13/2019</a:t>
             </a:fld>
             <a:endParaRPr lang="en-US"/>
           </a:p>
@@ -2480,7 +2482,7 @@
             <a:fld id="{1D8BD707-D9CF-40AE-B4C6-C98DA3205C09}" type="datetimeFigureOut">
               <a:rPr lang="en-US" smtClean="0"/>
               <a:pPr/>
-              <a:t>3/9/2019</a:t>
+              <a:t>3/13/2019</a:t>
             </a:fld>
             <a:endParaRPr lang="en-US"/>
           </a:p>
@@ -2690,7 +2692,7 @@
             <a:fld id="{1D8BD707-D9CF-40AE-B4C6-C98DA3205C09}" type="datetimeFigureOut">
               <a:rPr lang="en-US" smtClean="0"/>
               <a:pPr/>
-              <a:t>3/9/2019</a:t>
+              <a:t>3/13/2019</a:t>
             </a:fld>
             <a:endParaRPr lang="en-US"/>
           </a:p>
@@ -3349,6 +3351,127 @@
             <p:ph type="title"/>
           </p:nvPr>
         </p:nvSpPr>
+        <p:spPr/>
+        <p:txBody>
+          <a:bodyPr/>
+          <a:lstStyle/>
+          <a:p>
+            <a:r>
+              <a:rPr lang="en-GB" dirty="0" smtClean="0"/>
+              <a:t>Extension 2</a:t>
+            </a:r>
+            <a:endParaRPr lang="en-US" dirty="0"/>
+          </a:p>
+        </p:txBody>
+      </p:sp>
+      <p:sp>
+        <p:nvSpPr>
+          <p:cNvPr id="3" name="Content Placeholder 2"/>
+          <p:cNvSpPr>
+            <a:spLocks noGrp="1"/>
+          </p:cNvSpPr>
+          <p:nvPr>
+            <p:ph idx="1"/>
+          </p:nvPr>
+        </p:nvSpPr>
+        <p:spPr/>
+        <p:txBody>
+          <a:bodyPr>
+            <a:normAutofit lnSpcReduction="10000"/>
+          </a:bodyPr>
+          <a:lstStyle/>
+          <a:p>
+            <a:r>
+              <a:rPr lang="en-GB" dirty="0" smtClean="0"/>
+              <a:t>To back up a variable amount you will need to use the RANDOM block</a:t>
+            </a:r>
+          </a:p>
+          <a:p>
+            <a:r>
+              <a:rPr lang="en-GB" dirty="0" smtClean="0"/>
+              <a:t>To turn a variable amount you will also need to use the RANDOM block</a:t>
+            </a:r>
+          </a:p>
+          <a:p>
+            <a:pPr lvl="1"/>
+            <a:r>
+              <a:rPr lang="en-GB" dirty="0" smtClean="0"/>
+              <a:t>To vary the turn from left to right you will need to set the random number </a:t>
+            </a:r>
+            <a:r>
+              <a:rPr lang="en-GB" b="1" dirty="0" smtClean="0"/>
+              <a:t>from </a:t>
+            </a:r>
+            <a:r>
+              <a:rPr lang="en-GB" dirty="0" smtClean="0"/>
+              <a:t>and </a:t>
+            </a:r>
+            <a:r>
+              <a:rPr lang="en-GB" b="1" smtClean="0"/>
+              <a:t>to </a:t>
+            </a:r>
+            <a:r>
+              <a:rPr lang="en-GB" smtClean="0"/>
+              <a:t>values to be </a:t>
+            </a:r>
+            <a:r>
+              <a:rPr lang="en-GB" b="1" smtClean="0"/>
+              <a:t>–number </a:t>
+            </a:r>
+            <a:r>
+              <a:rPr lang="en-GB" smtClean="0"/>
+              <a:t>to </a:t>
+            </a:r>
+            <a:r>
+              <a:rPr lang="en-GB" b="1" smtClean="0"/>
+              <a:t>number</a:t>
+            </a:r>
+            <a:endParaRPr lang="en-GB" dirty="0" smtClean="0"/>
+          </a:p>
+          <a:p>
+            <a:r>
+              <a:rPr lang="en-GB" dirty="0" smtClean="0"/>
+              <a:t>Instructions for using the RANDOM block are on the next slide</a:t>
+            </a:r>
+            <a:endParaRPr lang="en-US" dirty="0"/>
+          </a:p>
+        </p:txBody>
+      </p:sp>
+    </p:spTree>
+  </p:cSld>
+  <p:clrMapOvr>
+    <a:masterClrMapping/>
+  </p:clrMapOvr>
+</p:sld>
+</file>
+
+<file path=ppt/slides/slide4.xml><?xml version="1.0" encoding="utf-8"?>
+<p:sld xmlns:a="http://schemas.openxmlformats.org/drawingml/2006/main" xmlns:r="http://schemas.openxmlformats.org/officeDocument/2006/relationships" xmlns:p="http://schemas.openxmlformats.org/presentationml/2006/main">
+  <p:cSld>
+    <p:spTree>
+      <p:nvGrpSpPr>
+        <p:cNvPr id="1" name=""/>
+        <p:cNvGrpSpPr/>
+        <p:nvPr/>
+      </p:nvGrpSpPr>
+      <p:grpSpPr>
+        <a:xfrm>
+          <a:off x="0" y="0"/>
+          <a:ext cx="0" cy="0"/>
+          <a:chOff x="0" y="0"/>
+          <a:chExt cx="0" cy="0"/>
+        </a:xfrm>
+      </p:grpSpPr>
+      <p:sp>
+        <p:nvSpPr>
+          <p:cNvPr id="2" name="Title 1"/>
+          <p:cNvSpPr>
+            <a:spLocks noGrp="1"/>
+          </p:cNvSpPr>
+          <p:nvPr>
+            <p:ph type="title"/>
+          </p:nvPr>
+        </p:nvSpPr>
         <p:spPr>
           <a:xfrm>
             <a:off x="457200" y="152400"/>
@@ -3863,6 +3986,292 @@
   <p:clrMapOvr>
     <a:masterClrMapping/>
   </p:clrMapOvr>
+</p:sld>
+</file>
+
+<file path=ppt/slides/slide5.xml><?xml version="1.0" encoding="utf-8"?>
+<p:sld xmlns:a="http://schemas.openxmlformats.org/drawingml/2006/main" xmlns:r="http://schemas.openxmlformats.org/officeDocument/2006/relationships" xmlns:p="http://schemas.openxmlformats.org/presentationml/2006/main">
+  <p:cSld>
+    <p:spTree>
+      <p:nvGrpSpPr>
+        <p:cNvPr id="1" name=""/>
+        <p:cNvGrpSpPr/>
+        <p:nvPr/>
+      </p:nvGrpSpPr>
+      <p:grpSpPr>
+        <a:xfrm>
+          <a:off x="0" y="0"/>
+          <a:ext cx="0" cy="0"/>
+          <a:chOff x="0" y="0"/>
+          <a:chExt cx="0" cy="0"/>
+        </a:xfrm>
+      </p:grpSpPr>
+      <p:sp>
+        <p:nvSpPr>
+          <p:cNvPr id="2" name="Title 1"/>
+          <p:cNvSpPr>
+            <a:spLocks noGrp="1"/>
+          </p:cNvSpPr>
+          <p:nvPr>
+            <p:ph type="title"/>
+          </p:nvPr>
+        </p:nvSpPr>
+        <p:spPr/>
+        <p:txBody>
+          <a:bodyPr/>
+          <a:lstStyle/>
+          <a:p>
+            <a:r>
+              <a:rPr lang="en-GB" dirty="0" smtClean="0"/>
+              <a:t>SAVE your EV3 Program</a:t>
+            </a:r>
+            <a:endParaRPr lang="en-US" dirty="0"/>
+          </a:p>
+        </p:txBody>
+      </p:sp>
+      <p:sp>
+        <p:nvSpPr>
+          <p:cNvPr id="3" name="Content Placeholder 2"/>
+          <p:cNvSpPr>
+            <a:spLocks noGrp="1"/>
+          </p:cNvSpPr>
+          <p:nvPr>
+            <p:ph idx="1"/>
+          </p:nvPr>
+        </p:nvSpPr>
+        <p:spPr/>
+        <p:txBody>
+          <a:bodyPr/>
+          <a:lstStyle/>
+          <a:p>
+            <a:endParaRPr lang="en-US" dirty="0"/>
+          </a:p>
+        </p:txBody>
+      </p:sp>
+      <p:sp>
+        <p:nvSpPr>
+          <p:cNvPr id="4" name="Content Placeholder 2"/>
+          <p:cNvSpPr>
+            <a:spLocks noGrp="1"/>
+          </p:cNvSpPr>
+          <p:nvPr/>
+        </p:nvSpPr>
+        <p:spPr>
+          <a:xfrm>
+            <a:off x="457200" y="1676400"/>
+            <a:ext cx="8245474" cy="1721341"/>
+          </a:xfrm>
+          <a:prstGeom prst="rect">
+            <a:avLst/>
+          </a:prstGeom>
+        </p:spPr>
+        <p:txBody>
+          <a:bodyPr vert="horz" lIns="91440" tIns="45720" rIns="91440" bIns="45720" rtlCol="0">
+            <a:normAutofit/>
+          </a:bodyPr>
+          <a:lstStyle>
+            <a:lvl1pPr marL="0" indent="0" algn="l" defTabSz="914400" rtl="0" eaLnBrk="1" latinLnBrk="0" hangingPunct="1">
+              <a:spcBef>
+                <a:spcPct val="20000"/>
+              </a:spcBef>
+              <a:spcAft>
+                <a:spcPts val="600"/>
+              </a:spcAft>
+              <a:buFont typeface="Arial" pitchFamily="34" charset="0"/>
+              <a:buNone/>
+              <a:defRPr sz="2000" b="1" kern="1200">
+                <a:solidFill>
+                  <a:schemeClr val="tx1"/>
+                </a:solidFill>
+                <a:latin typeface="+mn-lt"/>
+                <a:ea typeface="+mn-ea"/>
+                <a:cs typeface="+mn-cs"/>
+              </a:defRPr>
+            </a:lvl1pPr>
+            <a:lvl2pPr marL="457200" indent="-182880" algn="l" defTabSz="914400" rtl="0" eaLnBrk="1" latinLnBrk="0" hangingPunct="1">
+              <a:spcBef>
+                <a:spcPct val="20000"/>
+              </a:spcBef>
+              <a:buClr>
+                <a:schemeClr val="tx2"/>
+              </a:buClr>
+              <a:buFont typeface="Arial" pitchFamily="34" charset="0"/>
+              <a:buChar char="•"/>
+              <a:defRPr sz="2000" kern="1200">
+                <a:solidFill>
+                  <a:schemeClr val="tx1"/>
+                </a:solidFill>
+                <a:latin typeface="+mn-lt"/>
+                <a:ea typeface="+mn-ea"/>
+                <a:cs typeface="+mn-cs"/>
+              </a:defRPr>
+            </a:lvl2pPr>
+            <a:lvl3pPr marL="1143000" indent="-228600" algn="l" defTabSz="914400" rtl="0" eaLnBrk="1" latinLnBrk="0" hangingPunct="1">
+              <a:spcBef>
+                <a:spcPct val="20000"/>
+              </a:spcBef>
+              <a:buClr>
+                <a:schemeClr val="tx2"/>
+              </a:buClr>
+              <a:buFont typeface="Arial" pitchFamily="34" charset="0"/>
+              <a:buChar char="•"/>
+              <a:defRPr sz="1800" kern="1200">
+                <a:solidFill>
+                  <a:schemeClr val="tx1"/>
+                </a:solidFill>
+                <a:latin typeface="+mn-lt"/>
+                <a:ea typeface="+mn-ea"/>
+                <a:cs typeface="+mn-cs"/>
+              </a:defRPr>
+            </a:lvl3pPr>
+            <a:lvl4pPr marL="1600200" indent="-228600" algn="l" defTabSz="914400" rtl="0" eaLnBrk="1" latinLnBrk="0" hangingPunct="1">
+              <a:spcBef>
+                <a:spcPct val="20000"/>
+              </a:spcBef>
+              <a:buClr>
+                <a:schemeClr val="tx2"/>
+              </a:buClr>
+              <a:buFont typeface="Arial" pitchFamily="34" charset="0"/>
+              <a:buChar char="•"/>
+              <a:defRPr sz="1800" kern="1200">
+                <a:solidFill>
+                  <a:schemeClr val="tx1"/>
+                </a:solidFill>
+                <a:latin typeface="+mn-lt"/>
+                <a:ea typeface="+mn-ea"/>
+                <a:cs typeface="+mn-cs"/>
+              </a:defRPr>
+            </a:lvl4pPr>
+            <a:lvl5pPr marL="2057400" indent="-228600" algn="l" defTabSz="914400" rtl="0" eaLnBrk="1" latinLnBrk="0" hangingPunct="1">
+              <a:spcBef>
+                <a:spcPct val="20000"/>
+              </a:spcBef>
+              <a:buClr>
+                <a:schemeClr val="tx2"/>
+              </a:buClr>
+              <a:buFont typeface="Arial" pitchFamily="34" charset="0"/>
+              <a:buChar char="•"/>
+              <a:defRPr sz="1800" kern="1200" baseline="0">
+                <a:solidFill>
+                  <a:schemeClr val="tx1"/>
+                </a:solidFill>
+                <a:latin typeface="+mn-lt"/>
+                <a:ea typeface="+mn-ea"/>
+                <a:cs typeface="+mn-cs"/>
+              </a:defRPr>
+            </a:lvl5pPr>
+            <a:lvl6pPr marL="2514600" indent="-228600" algn="l" defTabSz="914400" rtl="0" eaLnBrk="1" latinLnBrk="0" hangingPunct="1">
+              <a:spcBef>
+                <a:spcPct val="20000"/>
+              </a:spcBef>
+              <a:buClr>
+                <a:schemeClr val="tx2"/>
+              </a:buClr>
+              <a:buFont typeface="Arial" pitchFamily="34" charset="0"/>
+              <a:buChar char="•"/>
+              <a:defRPr sz="1600" kern="1200">
+                <a:solidFill>
+                  <a:schemeClr val="tx1"/>
+                </a:solidFill>
+                <a:latin typeface="+mn-lt"/>
+                <a:ea typeface="+mn-ea"/>
+                <a:cs typeface="+mn-cs"/>
+              </a:defRPr>
+            </a:lvl6pPr>
+            <a:lvl7pPr marL="2971800" indent="-228600" algn="l" defTabSz="914400" rtl="0" eaLnBrk="1" latinLnBrk="0" hangingPunct="1">
+              <a:spcBef>
+                <a:spcPct val="20000"/>
+              </a:spcBef>
+              <a:buClr>
+                <a:schemeClr val="tx2"/>
+              </a:buClr>
+              <a:buFont typeface="Arial" pitchFamily="34" charset="0"/>
+              <a:buChar char="•"/>
+              <a:defRPr sz="1600" kern="1200">
+                <a:solidFill>
+                  <a:schemeClr val="tx1"/>
+                </a:solidFill>
+                <a:latin typeface="+mn-lt"/>
+                <a:ea typeface="+mn-ea"/>
+                <a:cs typeface="+mn-cs"/>
+              </a:defRPr>
+            </a:lvl7pPr>
+            <a:lvl8pPr marL="3429000" indent="-228600" algn="l" defTabSz="914400" rtl="0" eaLnBrk="1" latinLnBrk="0" hangingPunct="1">
+              <a:spcBef>
+                <a:spcPct val="20000"/>
+              </a:spcBef>
+              <a:buClr>
+                <a:schemeClr val="tx2"/>
+              </a:buClr>
+              <a:buFont typeface="Arial" pitchFamily="34" charset="0"/>
+              <a:buChar char="•"/>
+              <a:defRPr sz="1600" kern="1200">
+                <a:solidFill>
+                  <a:schemeClr val="tx1"/>
+                </a:solidFill>
+                <a:latin typeface="+mn-lt"/>
+                <a:ea typeface="+mn-ea"/>
+                <a:cs typeface="+mn-cs"/>
+              </a:defRPr>
+            </a:lvl8pPr>
+            <a:lvl9pPr marL="3886200" indent="-228600" algn="l" defTabSz="914400" rtl="0" eaLnBrk="1" latinLnBrk="0" hangingPunct="1">
+              <a:spcBef>
+                <a:spcPct val="20000"/>
+              </a:spcBef>
+              <a:buClr>
+                <a:schemeClr val="tx2"/>
+              </a:buClr>
+              <a:buFont typeface="Arial" pitchFamily="34" charset="0"/>
+              <a:buChar char="•"/>
+              <a:defRPr sz="1600" kern="1200">
+                <a:solidFill>
+                  <a:schemeClr val="tx1"/>
+                </a:solidFill>
+                <a:latin typeface="+mn-lt"/>
+                <a:ea typeface="+mn-ea"/>
+                <a:cs typeface="+mn-cs"/>
+              </a:defRPr>
+            </a:lvl9pPr>
+          </a:lstStyle>
+          <a:p>
+            <a:r>
+              <a:rPr lang="en-GB" sz="2800" dirty="0" smtClean="0">
+                <a:solidFill>
+                  <a:srgbClr val="FF0000"/>
+                </a:solidFill>
+              </a:rPr>
+              <a:t>Remember to Save your EV3 program using</a:t>
+            </a:r>
+          </a:p>
+          <a:p>
+            <a:r>
+              <a:rPr lang="en-GB" sz="2800" dirty="0" smtClean="0">
+                <a:solidFill>
+                  <a:srgbClr val="FF0000"/>
+                </a:solidFill>
+              </a:rPr>
+              <a:t>	File &gt; Save Project As</a:t>
+            </a:r>
+            <a:endParaRPr lang="en-US" sz="2800" dirty="0" smtClean="0">
+              <a:solidFill>
+                <a:srgbClr val="FF0000"/>
+              </a:solidFill>
+            </a:endParaRPr>
+          </a:p>
+        </p:txBody>
+      </p:sp>
+    </p:spTree>
+  </p:cSld>
+  <p:clrMapOvr>
+    <a:masterClrMapping/>
+  </p:clrMapOvr>
+  <p:timing>
+    <p:tnLst>
+      <p:par>
+        <p:cTn id="1" dur="indefinite" restart="never" nodeType="tmRoot"/>
+      </p:par>
+    </p:tnLst>
+  </p:timing>
 </p:sld>
 </file>
 
